--- a/20162874_이준협_project2.pptx
+++ b/20162874_이준협_project2.pptx
@@ -10,7 +10,8 @@
     <p:sldId id="464" r:id="rId4"/>
     <p:sldId id="463" r:id="rId5"/>
     <p:sldId id="466" r:id="rId6"/>
-    <p:sldId id="467" r:id="rId7"/>
+    <p:sldId id="468" r:id="rId7"/>
+    <p:sldId id="469" r:id="rId8"/>
   </p:sldIdLst>
   <p:sldSz cx="12192000" cy="6858000"/>
   <p:notesSz cx="6858000" cy="9144000"/>
@@ -264,7 +265,7 @@
           <a:p>
             <a:fld id="{76690F3C-CE72-4C01-8E64-E0579E270EEA}" type="datetimeFigureOut">
               <a:rPr lang="ko-KR" altLang="en-US" smtClean="0"/>
-              <a:t>2021-04-13</a:t>
+              <a:t>2021-04-15</a:t>
             </a:fld>
             <a:endParaRPr lang="ko-KR" altLang="en-US"/>
           </a:p>
@@ -462,7 +463,7 @@
           <a:p>
             <a:fld id="{76690F3C-CE72-4C01-8E64-E0579E270EEA}" type="datetimeFigureOut">
               <a:rPr lang="ko-KR" altLang="en-US" smtClean="0"/>
-              <a:t>2021-04-13</a:t>
+              <a:t>2021-04-15</a:t>
             </a:fld>
             <a:endParaRPr lang="ko-KR" altLang="en-US"/>
           </a:p>
@@ -670,7 +671,7 @@
           <a:p>
             <a:fld id="{76690F3C-CE72-4C01-8E64-E0579E270EEA}" type="datetimeFigureOut">
               <a:rPr lang="ko-KR" altLang="en-US" smtClean="0"/>
-              <a:t>2021-04-13</a:t>
+              <a:t>2021-04-15</a:t>
             </a:fld>
             <a:endParaRPr lang="ko-KR" altLang="en-US"/>
           </a:p>
@@ -868,7 +869,7 @@
           <a:p>
             <a:fld id="{76690F3C-CE72-4C01-8E64-E0579E270EEA}" type="datetimeFigureOut">
               <a:rPr lang="ko-KR" altLang="en-US" smtClean="0"/>
-              <a:t>2021-04-13</a:t>
+              <a:t>2021-04-15</a:t>
             </a:fld>
             <a:endParaRPr lang="ko-KR" altLang="en-US"/>
           </a:p>
@@ -1143,7 +1144,7 @@
           <a:p>
             <a:fld id="{76690F3C-CE72-4C01-8E64-E0579E270EEA}" type="datetimeFigureOut">
               <a:rPr lang="ko-KR" altLang="en-US" smtClean="0"/>
-              <a:t>2021-04-13</a:t>
+              <a:t>2021-04-15</a:t>
             </a:fld>
             <a:endParaRPr lang="ko-KR" altLang="en-US"/>
           </a:p>
@@ -1408,7 +1409,7 @@
           <a:p>
             <a:fld id="{76690F3C-CE72-4C01-8E64-E0579E270EEA}" type="datetimeFigureOut">
               <a:rPr lang="ko-KR" altLang="en-US" smtClean="0"/>
-              <a:t>2021-04-13</a:t>
+              <a:t>2021-04-15</a:t>
             </a:fld>
             <a:endParaRPr lang="ko-KR" altLang="en-US"/>
           </a:p>
@@ -1820,7 +1821,7 @@
           <a:p>
             <a:fld id="{76690F3C-CE72-4C01-8E64-E0579E270EEA}" type="datetimeFigureOut">
               <a:rPr lang="ko-KR" altLang="en-US" smtClean="0"/>
-              <a:t>2021-04-13</a:t>
+              <a:t>2021-04-15</a:t>
             </a:fld>
             <a:endParaRPr lang="ko-KR" altLang="en-US"/>
           </a:p>
@@ -1961,7 +1962,7 @@
           <a:p>
             <a:fld id="{76690F3C-CE72-4C01-8E64-E0579E270EEA}" type="datetimeFigureOut">
               <a:rPr lang="ko-KR" altLang="en-US" smtClean="0"/>
-              <a:t>2021-04-13</a:t>
+              <a:t>2021-04-15</a:t>
             </a:fld>
             <a:endParaRPr lang="ko-KR" altLang="en-US"/>
           </a:p>
@@ -2074,7 +2075,7 @@
           <a:p>
             <a:fld id="{76690F3C-CE72-4C01-8E64-E0579E270EEA}" type="datetimeFigureOut">
               <a:rPr lang="ko-KR" altLang="en-US" smtClean="0"/>
-              <a:t>2021-04-13</a:t>
+              <a:t>2021-04-15</a:t>
             </a:fld>
             <a:endParaRPr lang="ko-KR" altLang="en-US"/>
           </a:p>
@@ -2385,7 +2386,7 @@
           <a:p>
             <a:fld id="{76690F3C-CE72-4C01-8E64-E0579E270EEA}" type="datetimeFigureOut">
               <a:rPr lang="ko-KR" altLang="en-US" smtClean="0"/>
-              <a:t>2021-04-13</a:t>
+              <a:t>2021-04-15</a:t>
             </a:fld>
             <a:endParaRPr lang="ko-KR" altLang="en-US"/>
           </a:p>
@@ -2673,7 +2674,7 @@
           <a:p>
             <a:fld id="{76690F3C-CE72-4C01-8E64-E0579E270EEA}" type="datetimeFigureOut">
               <a:rPr lang="ko-KR" altLang="en-US" smtClean="0"/>
-              <a:t>2021-04-13</a:t>
+              <a:t>2021-04-15</a:t>
             </a:fld>
             <a:endParaRPr lang="ko-KR" altLang="en-US"/>
           </a:p>
@@ -2914,7 +2915,7 @@
           <a:p>
             <a:fld id="{76690F3C-CE72-4C01-8E64-E0579E270EEA}" type="datetimeFigureOut">
               <a:rPr lang="ko-KR" altLang="en-US" smtClean="0"/>
-              <a:t>2021-04-13</a:t>
+              <a:t>2021-04-15</a:t>
             </a:fld>
             <a:endParaRPr lang="ko-KR" altLang="en-US"/>
           </a:p>
@@ -4910,10 +4911,65 @@
       </p:grpSpPr>
       <p:sp>
         <p:nvSpPr>
-          <p:cNvPr id="4" name="TextBox 3">
-            <a:extLst>
-              <a:ext uri="{FF2B5EF4-FFF2-40B4-BE49-F238E27FC236}">
-                <a16:creationId xmlns:a16="http://schemas.microsoft.com/office/drawing/2014/main" id="{C3629C7E-7051-42E9-BCF5-1263CE061CBF}"/>
+          <p:cNvPr id="2" name="제목 1">
+            <a:extLst>
+              <a:ext uri="{FF2B5EF4-FFF2-40B4-BE49-F238E27FC236}">
+                <a16:creationId xmlns:a16="http://schemas.microsoft.com/office/drawing/2014/main" id="{431128AD-AC55-4DF5-83AD-BE322826C1FA}"/>
+              </a:ext>
+            </a:extLst>
+          </p:cNvPr>
+          <p:cNvSpPr>
+            <a:spLocks noGrp="1"/>
+          </p:cNvSpPr>
+          <p:nvPr>
+            <p:ph type="title"/>
+          </p:nvPr>
+        </p:nvSpPr>
+        <p:spPr>
+          <a:xfrm>
+            <a:off x="167080" y="239290"/>
+            <a:ext cx="9656428" cy="733833"/>
+          </a:xfrm>
+        </p:spPr>
+        <p:txBody>
+          <a:bodyPr>
+            <a:normAutofit fontScale="90000"/>
+          </a:bodyPr>
+          <a:lstStyle/>
+          <a:p>
+            <a:r>
+              <a:rPr lang="en-US" altLang="ko-KR" sz="2400" dirty="0"/>
+              <a:t>Show result by using calculated </a:t>
+            </a:r>
+            <a:r>
+              <a:rPr lang="en-US" altLang="ko-KR" sz="2400" dirty="0" err="1"/>
+              <a:t>homography</a:t>
+            </a:r>
+            <a:r>
+              <a:rPr lang="en-US" altLang="ko-KR" sz="2400" dirty="0"/>
+              <a:t> with</a:t>
+            </a:r>
+            <a:r>
+              <a:rPr lang="ko-KR" altLang="en-US" sz="2400" dirty="0"/>
+              <a:t> </a:t>
+            </a:r>
+            <a:r>
+              <a:rPr lang="en-US" altLang="ko-KR" sz="2400" dirty="0"/>
+              <a:t>cropped image</a:t>
+            </a:r>
+            <a:br>
+              <a:rPr lang="en-US" altLang="ko-KR" sz="2400" dirty="0"/>
+            </a:br>
+            <a:endParaRPr lang="ko-KR" altLang="en-US" sz="2400" dirty="0"/>
+          </a:p>
+        </p:txBody>
+      </p:sp>
+      <p:sp>
+        <p:nvSpPr>
+          <p:cNvPr id="12" name="TextBox 11">
+            <a:extLst>
+              <a:ext uri="{FF2B5EF4-FFF2-40B4-BE49-F238E27FC236}">
+                <a16:creationId xmlns:a16="http://schemas.microsoft.com/office/drawing/2014/main" id="{92B8E751-CD9A-4C3F-B4E4-AD664450A3FE}"/>
               </a:ext>
             </a:extLst>
           </p:cNvPr>
@@ -4922,8 +4978,8 @@
         </p:nvSpPr>
         <p:spPr>
           <a:xfrm>
-            <a:off x="462304" y="1206948"/>
-            <a:ext cx="8883032" cy="1754326"/>
+            <a:off x="4228961" y="1518755"/>
+            <a:ext cx="7455886" cy="1200329"/>
           </a:xfrm>
           <a:prstGeom prst="rect">
             <a:avLst/>
@@ -4938,89 +4994,536 @@
           <a:p>
             <a:r>
               <a:rPr lang="ko-KR" altLang="en-US" dirty="0"/>
-              <a:t>현재 전체 이미지에 구해진 </a:t>
-            </a:r>
+              <a:t>실제 </a:t>
+            </a:r>
+            <a:r>
+              <a:rPr lang="en-US" altLang="ko-KR" dirty="0"/>
+              <a:t>4</a:t>
+            </a:r>
+            <a:r>
+              <a:rPr lang="ko-KR" altLang="en-US" dirty="0"/>
+              <a:t>개의 점으로 구성된 사각형 데이터로 진행</a:t>
+            </a:r>
+            <a:endParaRPr lang="en-US" altLang="ko-KR" dirty="0"/>
+          </a:p>
+          <a:p>
+            <a:r>
+              <a:rPr lang="en-US" altLang="ko-KR" dirty="0"/>
+              <a:t>Target image</a:t>
+            </a:r>
+            <a:r>
+              <a:rPr lang="ko-KR" altLang="en-US" dirty="0"/>
+              <a:t>와 동일하게 </a:t>
+            </a:r>
+            <a:r>
+              <a:rPr lang="en-US" altLang="ko-KR" dirty="0"/>
+              <a:t>warped </a:t>
+            </a:r>
+            <a:r>
+              <a:rPr lang="ko-KR" altLang="en-US" dirty="0"/>
+              <a:t>된 것을 확인</a:t>
+            </a:r>
+            <a:endParaRPr lang="en-US" altLang="ko-KR" dirty="0"/>
+          </a:p>
+          <a:p>
+            <a:endParaRPr lang="en-US" altLang="ko-KR" dirty="0"/>
+          </a:p>
+          <a:p>
             <a:r>
               <a:rPr lang="en-US" altLang="ko-KR" dirty="0" err="1"/>
-              <a:t>homography</a:t>
+              <a:t>Homography</a:t>
             </a:r>
             <a:r>
               <a:rPr lang="ko-KR" altLang="en-US" dirty="0"/>
-              <a:t>를 적용하는 부분까지 완성했습니다</a:t>
+              <a:t>는 올바르게 구해졌다</a:t>
             </a:r>
             <a:r>
               <a:rPr lang="en-US" altLang="ko-KR" dirty="0"/>
               <a:t>.</a:t>
             </a:r>
-          </a:p>
-          <a:p>
-            <a:endParaRPr lang="en-US" altLang="ko-KR" dirty="0"/>
-          </a:p>
-          <a:p>
+            <a:endParaRPr lang="ko-KR" altLang="en-US" dirty="0"/>
+          </a:p>
+        </p:txBody>
+      </p:sp>
+      <p:pic>
+        <p:nvPicPr>
+          <p:cNvPr id="5" name="그림 4">
+            <a:extLst>
+              <a:ext uri="{FF2B5EF4-FFF2-40B4-BE49-F238E27FC236}">
+                <a16:creationId xmlns:a16="http://schemas.microsoft.com/office/drawing/2014/main" id="{71E6C5E5-EFEC-4073-960F-C3E8C5F13D63}"/>
+              </a:ext>
+            </a:extLst>
+          </p:cNvPr>
+          <p:cNvPicPr>
+            <a:picLocks noChangeAspect="1"/>
+          </p:cNvPicPr>
+          <p:nvPr/>
+        </p:nvPicPr>
+        <p:blipFill>
+          <a:blip r:embed="rId2"/>
+          <a:stretch>
+            <a:fillRect/>
+          </a:stretch>
+        </p:blipFill>
+        <p:spPr>
+          <a:xfrm>
+            <a:off x="195378" y="1518755"/>
+            <a:ext cx="3686175" cy="2505075"/>
+          </a:xfrm>
+          <a:prstGeom prst="rect">
+            <a:avLst/>
+          </a:prstGeom>
+        </p:spPr>
+      </p:pic>
+      <p:sp>
+        <p:nvSpPr>
+          <p:cNvPr id="16" name="TextBox 15">
+            <a:extLst>
+              <a:ext uri="{FF2B5EF4-FFF2-40B4-BE49-F238E27FC236}">
+                <a16:creationId xmlns:a16="http://schemas.microsoft.com/office/drawing/2014/main" id="{8B448DEB-40C9-412A-BE9E-0AB1DC6EC88D}"/>
+              </a:ext>
+            </a:extLst>
+          </p:cNvPr>
+          <p:cNvSpPr txBox="1"/>
+          <p:nvPr/>
+        </p:nvSpPr>
+        <p:spPr>
+          <a:xfrm>
+            <a:off x="3759919" y="6270241"/>
+            <a:ext cx="1867878" cy="369332"/>
+          </a:xfrm>
+          <a:prstGeom prst="rect">
+            <a:avLst/>
+          </a:prstGeom>
+          <a:noFill/>
+        </p:spPr>
+        <p:txBody>
+          <a:bodyPr wrap="square" rtlCol="0">
+            <a:spAutoFit/>
+          </a:bodyPr>
+          <a:lstStyle/>
+          <a:p>
+            <a:pPr algn="ctr"/>
             <a:r>
               <a:rPr lang="en-US" altLang="ko-KR" dirty="0"/>
-              <a:t>Bilinear 2D </a:t>
-            </a:r>
-            <a:r>
-              <a:rPr lang="ko-KR" altLang="en-US" dirty="0" err="1"/>
-              <a:t>보간법을</a:t>
-            </a:r>
-            <a:r>
-              <a:rPr lang="ko-KR" altLang="en-US" dirty="0"/>
-              <a:t> 사용해 </a:t>
-            </a:r>
+              <a:t>cropped image</a:t>
+            </a:r>
+            <a:endParaRPr lang="ko-KR" altLang="en-US" dirty="0"/>
+          </a:p>
+        </p:txBody>
+      </p:sp>
+      <p:sp>
+        <p:nvSpPr>
+          <p:cNvPr id="19" name="TextBox 18">
+            <a:extLst>
+              <a:ext uri="{FF2B5EF4-FFF2-40B4-BE49-F238E27FC236}">
+                <a16:creationId xmlns:a16="http://schemas.microsoft.com/office/drawing/2014/main" id="{269406F7-4A0D-4DA8-A187-E403BF042E8A}"/>
+              </a:ext>
+            </a:extLst>
+          </p:cNvPr>
+          <p:cNvSpPr txBox="1"/>
+          <p:nvPr/>
+        </p:nvSpPr>
+        <p:spPr>
+          <a:xfrm>
+            <a:off x="6354904" y="6255590"/>
+            <a:ext cx="1867879" cy="369332"/>
+          </a:xfrm>
+          <a:prstGeom prst="rect">
+            <a:avLst/>
+          </a:prstGeom>
+          <a:noFill/>
+        </p:spPr>
+        <p:txBody>
+          <a:bodyPr wrap="square" rtlCol="0">
+            <a:spAutoFit/>
+          </a:bodyPr>
+          <a:lstStyle/>
+          <a:p>
+            <a:pPr algn="ctr"/>
             <a:r>
               <a:rPr lang="en-US" altLang="ko-KR" dirty="0"/>
-              <a:t>source image</a:t>
-            </a:r>
-            <a:r>
-              <a:rPr lang="ko-KR" altLang="en-US" dirty="0"/>
-              <a:t>의 정해진 부분만 </a:t>
-            </a:r>
+              <a:t>Warped image</a:t>
+            </a:r>
+            <a:endParaRPr lang="ko-KR" altLang="en-US" dirty="0"/>
+          </a:p>
+        </p:txBody>
+      </p:sp>
+      <p:pic>
+        <p:nvPicPr>
+          <p:cNvPr id="20" name="그림 19" descr="바닥, 실내이(가) 표시된 사진&#10;&#10;자동 생성된 설명">
+            <a:extLst>
+              <a:ext uri="{FF2B5EF4-FFF2-40B4-BE49-F238E27FC236}">
+                <a16:creationId xmlns:a16="http://schemas.microsoft.com/office/drawing/2014/main" id="{F92538BA-3B1B-4799-A0F7-488F40F188E6}"/>
+              </a:ext>
+            </a:extLst>
+          </p:cNvPr>
+          <p:cNvPicPr>
+            <a:picLocks noChangeAspect="1"/>
+          </p:cNvPicPr>
+          <p:nvPr/>
+        </p:nvPicPr>
+        <p:blipFill>
+          <a:blip r:embed="rId3">
+            <a:extLst>
+              <a:ext uri="{28A0092B-C50C-407E-A947-70E740481C1C}">
+                <a14:useLocalDpi xmlns:a14="http://schemas.microsoft.com/office/drawing/2010/main" val="0"/>
+              </a:ext>
+            </a:extLst>
+          </a:blip>
+          <a:stretch>
+            <a:fillRect/>
+          </a:stretch>
+        </p:blipFill>
+        <p:spPr>
+          <a:xfrm>
+            <a:off x="9173066" y="3688620"/>
+            <a:ext cx="1649696" cy="2546107"/>
+          </a:xfrm>
+          <a:prstGeom prst="rect">
+            <a:avLst/>
+          </a:prstGeom>
+        </p:spPr>
+      </p:pic>
+      <p:sp>
+        <p:nvSpPr>
+          <p:cNvPr id="21" name="TextBox 20">
+            <a:extLst>
+              <a:ext uri="{FF2B5EF4-FFF2-40B4-BE49-F238E27FC236}">
+                <a16:creationId xmlns:a16="http://schemas.microsoft.com/office/drawing/2014/main" id="{B7ACC7C4-B4BD-454E-BD08-D42E01A3D73D}"/>
+              </a:ext>
+            </a:extLst>
+          </p:cNvPr>
+          <p:cNvSpPr txBox="1"/>
+          <p:nvPr/>
+        </p:nvSpPr>
+        <p:spPr>
+          <a:xfrm>
+            <a:off x="9075871" y="6249378"/>
+            <a:ext cx="1664763" cy="369332"/>
+          </a:xfrm>
+          <a:prstGeom prst="rect">
+            <a:avLst/>
+          </a:prstGeom>
+          <a:noFill/>
+        </p:spPr>
+        <p:txBody>
+          <a:bodyPr wrap="square" rtlCol="0">
+            <a:spAutoFit/>
+          </a:bodyPr>
+          <a:lstStyle/>
+          <a:p>
+            <a:pPr algn="ctr"/>
             <a:r>
               <a:rPr lang="en-US" altLang="ko-KR" dirty="0"/>
-              <a:t>warping </a:t>
-            </a:r>
-            <a:r>
-              <a:rPr lang="ko-KR" altLang="en-US" dirty="0"/>
-              <a:t>해서 </a:t>
-            </a:r>
-            <a:endParaRPr lang="en-US" altLang="ko-KR" dirty="0"/>
-          </a:p>
-          <a:p>
-            <a:r>
-              <a:rPr lang="en-US" altLang="ko-KR" dirty="0"/>
-              <a:t>target image</a:t>
-            </a:r>
-            <a:r>
-              <a:rPr lang="ko-KR" altLang="en-US" dirty="0"/>
-              <a:t>로 대처하는 부분은 아직 구현하지 못했습니다</a:t>
-            </a:r>
-            <a:r>
-              <a:rPr lang="en-US" altLang="ko-KR" dirty="0"/>
-              <a:t>.</a:t>
-            </a:r>
-          </a:p>
-          <a:p>
-            <a:endParaRPr lang="en-US" altLang="ko-KR" dirty="0"/>
-          </a:p>
-          <a:p>
-            <a:r>
-              <a:rPr lang="ko-KR" altLang="en-US" dirty="0"/>
-              <a:t>늦더라도 꼭 구현해서 다시 제출하도록 하겠습니다</a:t>
-            </a:r>
-            <a:r>
-              <a:rPr lang="en-US" altLang="ko-KR" dirty="0"/>
-              <a:t>.</a:t>
+              <a:t>Target image</a:t>
             </a:r>
             <a:endParaRPr lang="ko-KR" altLang="en-US" dirty="0"/>
           </a:p>
         </p:txBody>
       </p:sp>
+      <p:pic>
+        <p:nvPicPr>
+          <p:cNvPr id="7" name="그림 6">
+            <a:extLst>
+              <a:ext uri="{FF2B5EF4-FFF2-40B4-BE49-F238E27FC236}">
+                <a16:creationId xmlns:a16="http://schemas.microsoft.com/office/drawing/2014/main" id="{7DC0FFE3-EC6A-4E2F-817A-73F86B7F49B3}"/>
+              </a:ext>
+            </a:extLst>
+          </p:cNvPr>
+          <p:cNvPicPr>
+            <a:picLocks noChangeAspect="1"/>
+          </p:cNvPicPr>
+          <p:nvPr/>
+        </p:nvPicPr>
+        <p:blipFill>
+          <a:blip r:embed="rId4"/>
+          <a:stretch>
+            <a:fillRect/>
+          </a:stretch>
+        </p:blipFill>
+        <p:spPr>
+          <a:xfrm>
+            <a:off x="3124326" y="3276848"/>
+            <a:ext cx="3148450" cy="3640395"/>
+          </a:xfrm>
+          <a:prstGeom prst="rect">
+            <a:avLst/>
+          </a:prstGeom>
+        </p:spPr>
+      </p:pic>
+      <p:pic>
+        <p:nvPicPr>
+          <p:cNvPr id="10" name="그림 9">
+            <a:extLst>
+              <a:ext uri="{FF2B5EF4-FFF2-40B4-BE49-F238E27FC236}">
+                <a16:creationId xmlns:a16="http://schemas.microsoft.com/office/drawing/2014/main" id="{0381651D-EDB7-43EF-B2D3-974E193212F4}"/>
+              </a:ext>
+            </a:extLst>
+          </p:cNvPr>
+          <p:cNvPicPr>
+            <a:picLocks noChangeAspect="1"/>
+          </p:cNvPicPr>
+          <p:nvPr/>
+        </p:nvPicPr>
+        <p:blipFill>
+          <a:blip r:embed="rId5"/>
+          <a:stretch>
+            <a:fillRect/>
+          </a:stretch>
+        </p:blipFill>
+        <p:spPr>
+          <a:xfrm>
+            <a:off x="3512437" y="3307920"/>
+            <a:ext cx="7673075" cy="3844530"/>
+          </a:xfrm>
+          <a:prstGeom prst="rect">
+            <a:avLst/>
+          </a:prstGeom>
+        </p:spPr>
+      </p:pic>
     </p:spTree>
     <p:extLst>
       <p:ext uri="{BB962C8B-B14F-4D97-AF65-F5344CB8AC3E}">
-        <p14:creationId xmlns:p14="http://schemas.microsoft.com/office/powerpoint/2010/main" val="3599809200"/>
+        <p14:creationId xmlns:p14="http://schemas.microsoft.com/office/powerpoint/2010/main" val="1291251689"/>
+      </p:ext>
+    </p:extLst>
+  </p:cSld>
+  <p:clrMapOvr>
+    <a:masterClrMapping/>
+  </p:clrMapOvr>
+</p:sld>
+</file>
+
+<file path=ppt/slides/slide7.xml><?xml version="1.0" encoding="utf-8"?>
+<p:sld xmlns:a="http://schemas.openxmlformats.org/drawingml/2006/main" xmlns:r="http://schemas.openxmlformats.org/officeDocument/2006/relationships" xmlns:p="http://schemas.openxmlformats.org/presentationml/2006/main">
+  <p:cSld>
+    <p:spTree>
+      <p:nvGrpSpPr>
+        <p:cNvPr id="1" name=""/>
+        <p:cNvGrpSpPr/>
+        <p:nvPr/>
+      </p:nvGrpSpPr>
+      <p:grpSpPr>
+        <a:xfrm>
+          <a:off x="0" y="0"/>
+          <a:ext cx="0" cy="0"/>
+          <a:chOff x="0" y="0"/>
+          <a:chExt cx="0" cy="0"/>
+        </a:xfrm>
+      </p:grpSpPr>
+      <p:sp>
+        <p:nvSpPr>
+          <p:cNvPr id="2" name="제목 1">
+            <a:extLst>
+              <a:ext uri="{FF2B5EF4-FFF2-40B4-BE49-F238E27FC236}">
+                <a16:creationId xmlns:a16="http://schemas.microsoft.com/office/drawing/2014/main" id="{431128AD-AC55-4DF5-83AD-BE322826C1FA}"/>
+              </a:ext>
+            </a:extLst>
+          </p:cNvPr>
+          <p:cNvSpPr>
+            <a:spLocks noGrp="1"/>
+          </p:cNvSpPr>
+          <p:nvPr>
+            <p:ph type="title"/>
+          </p:nvPr>
+        </p:nvSpPr>
+        <p:spPr>
+          <a:xfrm>
+            <a:off x="167080" y="239290"/>
+            <a:ext cx="9656428" cy="733833"/>
+          </a:xfrm>
+        </p:spPr>
+        <p:txBody>
+          <a:bodyPr>
+            <a:normAutofit/>
+          </a:bodyPr>
+          <a:lstStyle/>
+          <a:p>
+            <a:r>
+              <a:rPr lang="en-US" altLang="ko-KR" sz="2400" dirty="0"/>
+              <a:t>Warp cropped image to target image by using inverse mapping</a:t>
+            </a:r>
+            <a:endParaRPr lang="ko-KR" altLang="en-US" sz="2400" dirty="0"/>
+          </a:p>
+        </p:txBody>
+      </p:sp>
+      <p:pic>
+        <p:nvPicPr>
+          <p:cNvPr id="4" name="그림 3">
+            <a:extLst>
+              <a:ext uri="{FF2B5EF4-FFF2-40B4-BE49-F238E27FC236}">
+                <a16:creationId xmlns:a16="http://schemas.microsoft.com/office/drawing/2014/main" id="{1BB71970-776E-4651-9918-F890CC7DD85A}"/>
+              </a:ext>
+            </a:extLst>
+          </p:cNvPr>
+          <p:cNvPicPr>
+            <a:picLocks noChangeAspect="1"/>
+          </p:cNvPicPr>
+          <p:nvPr/>
+        </p:nvPicPr>
+        <p:blipFill>
+          <a:blip r:embed="rId2"/>
+          <a:stretch>
+            <a:fillRect/>
+          </a:stretch>
+        </p:blipFill>
+        <p:spPr>
+          <a:xfrm>
+            <a:off x="167080" y="1433687"/>
+            <a:ext cx="5419725" cy="4410075"/>
+          </a:xfrm>
+          <a:prstGeom prst="rect">
+            <a:avLst/>
+          </a:prstGeom>
+        </p:spPr>
+      </p:pic>
+      <p:sp>
+        <p:nvSpPr>
+          <p:cNvPr id="13" name="TextBox 12">
+            <a:extLst>
+              <a:ext uri="{FF2B5EF4-FFF2-40B4-BE49-F238E27FC236}">
+                <a16:creationId xmlns:a16="http://schemas.microsoft.com/office/drawing/2014/main" id="{2E3D3736-DB6B-4488-B53D-23842EF88690}"/>
+              </a:ext>
+            </a:extLst>
+          </p:cNvPr>
+          <p:cNvSpPr txBox="1"/>
+          <p:nvPr/>
+        </p:nvSpPr>
+        <p:spPr>
+          <a:xfrm>
+            <a:off x="5586805" y="1433687"/>
+            <a:ext cx="6254213" cy="2862322"/>
+          </a:xfrm>
+          <a:prstGeom prst="rect">
+            <a:avLst/>
+          </a:prstGeom>
+          <a:noFill/>
+        </p:spPr>
+        <p:txBody>
+          <a:bodyPr wrap="square" rtlCol="0">
+            <a:spAutoFit/>
+          </a:bodyPr>
+          <a:lstStyle/>
+          <a:p>
+            <a:r>
+              <a:rPr lang="ko-KR" altLang="en-US" dirty="0"/>
+              <a:t>주어진 식을 토대로 선형 </a:t>
+            </a:r>
+            <a:r>
+              <a:rPr lang="ko-KR" altLang="en-US" dirty="0" err="1"/>
+              <a:t>보간법을</a:t>
+            </a:r>
+            <a:r>
+              <a:rPr lang="ko-KR" altLang="en-US" dirty="0"/>
+              <a:t> 적용해 </a:t>
+            </a:r>
+            <a:r>
+              <a:rPr lang="en-US" altLang="ko-KR" dirty="0"/>
+              <a:t>warping</a:t>
+            </a:r>
+            <a:r>
+              <a:rPr lang="ko-KR" altLang="en-US" dirty="0"/>
+              <a:t>을 시도</a:t>
+            </a:r>
+            <a:endParaRPr lang="en-US" altLang="ko-KR" dirty="0"/>
+          </a:p>
+          <a:p>
+            <a:endParaRPr lang="en-US" altLang="ko-KR" dirty="0"/>
+          </a:p>
+          <a:p>
+            <a:endParaRPr lang="en-US" altLang="ko-KR" dirty="0"/>
+          </a:p>
+          <a:p>
+            <a:endParaRPr lang="en-US" altLang="ko-KR" dirty="0"/>
+          </a:p>
+          <a:p>
+            <a:endParaRPr lang="en-US" altLang="ko-KR" dirty="0"/>
+          </a:p>
+          <a:p>
+            <a:endParaRPr lang="en-US" altLang="ko-KR" dirty="0"/>
+          </a:p>
+          <a:p>
+            <a:r>
+              <a:rPr lang="ko-KR" altLang="en-US" dirty="0"/>
+              <a:t>결과 좌표들이 </a:t>
+            </a:r>
+            <a:r>
+              <a:rPr lang="en-US" altLang="ko-KR" dirty="0"/>
+              <a:t>1</a:t>
+            </a:r>
+            <a:r>
+              <a:rPr lang="ko-KR" altLang="en-US" dirty="0"/>
+              <a:t>이하의 소수점들이 나오면서 </a:t>
+            </a:r>
+            <a:r>
+              <a:rPr lang="en-US" altLang="ko-KR" dirty="0"/>
+              <a:t>round </a:t>
+            </a:r>
+            <a:r>
+              <a:rPr lang="ko-KR" altLang="en-US" dirty="0"/>
+              <a:t>결과가 지속적으로 </a:t>
+            </a:r>
+            <a:r>
+              <a:rPr lang="en-US" altLang="ko-KR" dirty="0"/>
+              <a:t>0</a:t>
+            </a:r>
+            <a:r>
+              <a:rPr lang="ko-KR" altLang="en-US" dirty="0"/>
+              <a:t>이 나오는 문제 발생</a:t>
+            </a:r>
+            <a:endParaRPr lang="en-US" altLang="ko-KR" dirty="0"/>
+          </a:p>
+          <a:p>
+            <a:endParaRPr lang="en-US" altLang="ko-KR" dirty="0"/>
+          </a:p>
+          <a:p>
+            <a:r>
+              <a:rPr lang="en-US" altLang="ko-KR" dirty="0"/>
+              <a:t>-&gt; warping</a:t>
+            </a:r>
+            <a:r>
+              <a:rPr lang="ko-KR" altLang="en-US" dirty="0"/>
+              <a:t>이 올바르게 진행되지 않음</a:t>
+            </a:r>
+            <a:endParaRPr lang="en-US" altLang="ko-KR" dirty="0"/>
+          </a:p>
+        </p:txBody>
+      </p:sp>
+      <p:pic>
+        <p:nvPicPr>
+          <p:cNvPr id="8" name="그림 7">
+            <a:extLst>
+              <a:ext uri="{FF2B5EF4-FFF2-40B4-BE49-F238E27FC236}">
+                <a16:creationId xmlns:a16="http://schemas.microsoft.com/office/drawing/2014/main" id="{3D31DFE6-8340-4255-8EAF-7BAC7C9B5B4F}"/>
+              </a:ext>
+            </a:extLst>
+          </p:cNvPr>
+          <p:cNvPicPr>
+            <a:picLocks noChangeAspect="1"/>
+          </p:cNvPicPr>
+          <p:nvPr/>
+        </p:nvPicPr>
+        <p:blipFill>
+          <a:blip r:embed="rId3"/>
+          <a:stretch>
+            <a:fillRect/>
+          </a:stretch>
+        </p:blipFill>
+        <p:spPr>
+          <a:xfrm>
+            <a:off x="5791200" y="1999829"/>
+            <a:ext cx="2562225" cy="714375"/>
+          </a:xfrm>
+          <a:prstGeom prst="rect">
+            <a:avLst/>
+          </a:prstGeom>
+        </p:spPr>
+      </p:pic>
+    </p:spTree>
+    <p:extLst>
+      <p:ext uri="{BB962C8B-B14F-4D97-AF65-F5344CB8AC3E}">
+        <p14:creationId xmlns:p14="http://schemas.microsoft.com/office/powerpoint/2010/main" val="2872832198"/>
       </p:ext>
     </p:extLst>
   </p:cSld>
